--- a/static/Phishing_Angriff_-_Anwaltskanzlei_Köln_presentation.pptx
+++ b/static/Phishing_Angriff_-_Anwaltskanzlei_Köln_presentation.pptx
@@ -5,14 +5,16 @@
     <p:sldMasterId id="2147483660" r:id="rId1"/>
   </p:sldMasterIdLst>
   <p:sldIdLst>
-    <p:sldId id="256" r:id="rId6"/>
-    <p:sldId id="257" r:id="rId7"/>
+    <p:sldId id="256" r:id="rId2"/>
+    <p:sldId id="257" r:id="rId3"/>
     <p:sldId id="258" r:id="rId8"/>
     <p:sldId id="259" r:id="rId9"/>
     <p:sldId id="260" r:id="rId10"/>
     <p:sldId id="261" r:id="rId11"/>
     <p:sldId id="262" r:id="rId12"/>
     <p:sldId id="263" r:id="rId13"/>
+    <p:sldId id="264" r:id="rId14"/>
+    <p:sldId id="265" r:id="rId15"/>
   </p:sldIdLst>
   <p:sldSz cx="9144000" cy="6858000" type="screen4x3"/>
   <p:notesSz cx="6858000" cy="9144000"/>
@@ -159,7 +161,7 @@
         </p:nvSpPr>
         <p:spPr>
           <a:xfrm>
-            <a:off x="1942416" y="2514601"/>
+            <a:off x="1942415" y="352740"/>
             <a:ext cx="6600451" cy="2262781"/>
           </a:xfrm>
         </p:spPr>
@@ -193,8 +195,8 @@
         </p:nvSpPr>
         <p:spPr>
           <a:xfrm>
-            <a:off x="1942416" y="4777380"/>
-            <a:ext cx="6600451" cy="1126283"/>
+            <a:off x="1942415" y="2685521"/>
+            <a:ext cx="6600451" cy="3069103"/>
           </a:xfrm>
         </p:spPr>
         <p:txBody>
@@ -318,7 +320,7 @@
           <a:p>
             <a:fld id="{5BCAD085-E8A6-8845-BD4E-CB4CCA059FC4}" type="datetimeFigureOut">
               <a:rPr lang="en-US" smtClean="0"/>
-              <a:t>6/8/2024</a:t>
+              <a:t>6/8/24</a:t>
             </a:fld>
             <a:endParaRPr lang="en-US"/>
           </a:p>
@@ -650,7 +652,7 @@
           <a:p>
             <a:fld id="{5BCAD085-E8A6-8845-BD4E-CB4CCA059FC4}" type="datetimeFigureOut">
               <a:rPr lang="en-US" smtClean="0"/>
-              <a:t>6/8/2024</a:t>
+              <a:t>6/8/24</a:t>
             </a:fld>
             <a:endParaRPr lang="en-US"/>
           </a:p>
@@ -1049,7 +1051,7 @@
           <a:p>
             <a:fld id="{5BCAD085-E8A6-8845-BD4E-CB4CCA059FC4}" type="datetimeFigureOut">
               <a:rPr lang="en-US" smtClean="0"/>
-              <a:t>6/8/2024</a:t>
+              <a:t>6/8/24</a:t>
             </a:fld>
             <a:endParaRPr lang="en-US"/>
           </a:p>
@@ -1383,7 +1385,7 @@
           <a:p>
             <a:fld id="{5BCAD085-E8A6-8845-BD4E-CB4CCA059FC4}" type="datetimeFigureOut">
               <a:rPr lang="en-US" smtClean="0"/>
-              <a:t>6/8/2024</a:t>
+              <a:t>6/8/24</a:t>
             </a:fld>
             <a:endParaRPr lang="en-US"/>
           </a:p>
@@ -1701,7 +1703,7 @@
           <a:p>
             <a:fld id="{5BCAD085-E8A6-8845-BD4E-CB4CCA059FC4}" type="datetimeFigureOut">
               <a:rPr lang="en-US" smtClean="0"/>
-              <a:t>6/8/2024</a:t>
+              <a:t>6/8/24</a:t>
             </a:fld>
             <a:endParaRPr lang="en-US"/>
           </a:p>
@@ -2095,7 +2097,7 @@
           <a:p>
             <a:fld id="{5BCAD085-E8A6-8845-BD4E-CB4CCA059FC4}" type="datetimeFigureOut">
               <a:rPr lang="en-US" smtClean="0"/>
-              <a:t>6/8/2024</a:t>
+              <a:t>6/8/24</a:t>
             </a:fld>
             <a:endParaRPr lang="en-US"/>
           </a:p>
@@ -2350,7 +2352,7 @@
           <a:p>
             <a:fld id="{5BCAD085-E8A6-8845-BD4E-CB4CCA059FC4}" type="datetimeFigureOut">
               <a:rPr lang="en-US" smtClean="0"/>
-              <a:t>6/8/2024</a:t>
+              <a:t>6/8/24</a:t>
             </a:fld>
             <a:endParaRPr lang="en-US"/>
           </a:p>
@@ -2610,7 +2612,7 @@
           <a:p>
             <a:fld id="{5BCAD085-E8A6-8845-BD4E-CB4CCA059FC4}" type="datetimeFigureOut">
               <a:rPr lang="en-US" smtClean="0"/>
-              <a:t>6/8/2024</a:t>
+              <a:t>6/8/24</a:t>
             </a:fld>
             <a:endParaRPr lang="en-US"/>
           </a:p>
@@ -2870,7 +2872,7 @@
           <a:p>
             <a:fld id="{5BCAD085-E8A6-8845-BD4E-CB4CCA059FC4}" type="datetimeFigureOut">
               <a:rPr lang="en-US" smtClean="0"/>
-              <a:t>6/8/2024</a:t>
+              <a:t>6/8/24</a:t>
             </a:fld>
             <a:endParaRPr lang="en-US"/>
           </a:p>
@@ -3197,7 +3199,7 @@
           <a:p>
             <a:fld id="{5BCAD085-E8A6-8845-BD4E-CB4CCA059FC4}" type="datetimeFigureOut">
               <a:rPr lang="en-US" smtClean="0"/>
-              <a:t>6/8/2024</a:t>
+              <a:t>6/8/24</a:t>
             </a:fld>
             <a:endParaRPr lang="en-US"/>
           </a:p>
@@ -3518,7 +3520,7 @@
           <a:p>
             <a:fld id="{5BCAD085-E8A6-8845-BD4E-CB4CCA059FC4}" type="datetimeFigureOut">
               <a:rPr lang="en-US" smtClean="0"/>
-              <a:t>6/8/2024</a:t>
+              <a:t>6/8/24</a:t>
             </a:fld>
             <a:endParaRPr lang="en-US"/>
           </a:p>
@@ -3973,7 +3975,7 @@
           <a:p>
             <a:fld id="{5BCAD085-E8A6-8845-BD4E-CB4CCA059FC4}" type="datetimeFigureOut">
               <a:rPr lang="en-US" smtClean="0"/>
-              <a:t>6/8/2024</a:t>
+              <a:t>6/8/24</a:t>
             </a:fld>
             <a:endParaRPr lang="en-US"/>
           </a:p>
@@ -4181,7 +4183,7 @@
           <a:p>
             <a:fld id="{5BCAD085-E8A6-8845-BD4E-CB4CCA059FC4}" type="datetimeFigureOut">
               <a:rPr lang="en-US" smtClean="0"/>
-              <a:t>6/8/2024</a:t>
+              <a:t>6/8/24</a:t>
             </a:fld>
             <a:endParaRPr lang="en-US"/>
           </a:p>
@@ -4356,7 +4358,7 @@
           <a:p>
             <a:fld id="{5BCAD085-E8A6-8845-BD4E-CB4CCA059FC4}" type="datetimeFigureOut">
               <a:rPr lang="en-US" smtClean="0"/>
-              <a:t>6/8/2024</a:t>
+              <a:t>6/8/24</a:t>
             </a:fld>
             <a:endParaRPr lang="en-US"/>
           </a:p>
@@ -4687,7 +4689,7 @@
           <a:p>
             <a:fld id="{5BCAD085-E8A6-8845-BD4E-CB4CCA059FC4}" type="datetimeFigureOut">
               <a:rPr lang="en-US" smtClean="0"/>
-              <a:t>6/8/2024</a:t>
+              <a:t>6/8/24</a:t>
             </a:fld>
             <a:endParaRPr lang="en-US"/>
           </a:p>
@@ -5030,7 +5032,7 @@
           <a:p>
             <a:fld id="{5BCAD085-E8A6-8845-BD4E-CB4CCA059FC4}" type="datetimeFigureOut">
               <a:rPr lang="en-US" smtClean="0"/>
-              <a:t>6/8/2024</a:t>
+              <a:t>6/8/24</a:t>
             </a:fld>
             <a:endParaRPr lang="en-US"/>
           </a:p>
@@ -7145,7 +7147,7 @@
           <a:p>
             <a:fld id="{5BCAD085-E8A6-8845-BD4E-CB4CCA059FC4}" type="datetimeFigureOut">
               <a:rPr lang="en-US" smtClean="0"/>
-              <a:t>6/8/2024</a:t>
+              <a:t>6/8/24</a:t>
             </a:fld>
             <a:endParaRPr lang="en-US"/>
           </a:p>
@@ -7647,6 +7649,96 @@
 </file>
 
 <file path=ppt/slides/slide1.xml><?xml version="1.0" encoding="utf-8"?>
+<p:sld xmlns:a="http://schemas.openxmlformats.org/drawingml/2006/main" xmlns:r="http://schemas.openxmlformats.org/officeDocument/2006/relationships" xmlns:p="http://schemas.openxmlformats.org/presentationml/2006/main">
+  <p:cSld>
+    <p:spTree>
+      <p:nvGrpSpPr>
+        <p:cNvPr id="1" name=""/>
+        <p:cNvGrpSpPr/>
+        <p:nvPr/>
+      </p:nvGrpSpPr>
+      <p:grpSpPr>
+        <a:xfrm>
+          <a:off x="0" y="0"/>
+          <a:ext cx="0" cy="0"/>
+          <a:chOff x="0" y="0"/>
+          <a:chExt cx="0" cy="0"/>
+        </a:xfrm>
+      </p:grpSpPr>
+      <p:sp>
+        <p:nvSpPr>
+          <p:cNvPr id="2" name="Titel 1">
+            <a:extLst>
+              <a:ext uri="{FF2B5EF4-FFF2-40B4-BE49-F238E27FC236}">
+                <a16:creationId xmlns:a16="http://schemas.microsoft.com/office/drawing/2014/main" id="{935B4A26-D67B-66E6-7382-39E7C14AA6E7}"/>
+              </a:ext>
+            </a:extLst>
+          </p:cNvPr>
+          <p:cNvSpPr>
+            <a:spLocks noGrp="1"/>
+          </p:cNvSpPr>
+          <p:nvPr>
+            <p:ph type="ctrTitle"/>
+          </p:nvPr>
+        </p:nvSpPr>
+        <p:spPr>
+          <a:xfrm>
+            <a:off x="1942415" y="398418"/>
+            <a:ext cx="6600451" cy="2262781"/>
+          </a:xfrm>
+        </p:spPr>
+        <p:txBody>
+          <a:bodyPr/>
+          <a:lstStyle/>
+          <a:p>
+            <a:endParaRPr lang="de-DE"/>
+          </a:p>
+        </p:txBody>
+      </p:sp>
+      <p:sp>
+        <p:nvSpPr>
+          <p:cNvPr id="3" name="Untertitel 2">
+            <a:extLst>
+              <a:ext uri="{FF2B5EF4-FFF2-40B4-BE49-F238E27FC236}">
+                <a16:creationId xmlns:a16="http://schemas.microsoft.com/office/drawing/2014/main" id="{3D3756F8-0677-5E3B-0DE2-5DF8AE532692}"/>
+              </a:ext>
+            </a:extLst>
+          </p:cNvPr>
+          <p:cNvSpPr>
+            <a:spLocks noGrp="1"/>
+          </p:cNvSpPr>
+          <p:nvPr>
+            <p:ph type="subTitle" idx="1"/>
+          </p:nvPr>
+        </p:nvSpPr>
+        <p:spPr>
+          <a:xfrm>
+            <a:off x="1942415" y="2865858"/>
+            <a:ext cx="6600451" cy="3365125"/>
+          </a:xfrm>
+        </p:spPr>
+        <p:txBody>
+          <a:bodyPr/>
+          <a:lstStyle/>
+          <a:p>
+            <a:endParaRPr lang="de-DE"/>
+          </a:p>
+        </p:txBody>
+      </p:sp>
+    </p:spTree>
+    <p:extLst>
+      <p:ext uri="{BB962C8B-B14F-4D97-AF65-F5344CB8AC3E}">
+        <p14:creationId xmlns:p14="http://schemas.microsoft.com/office/powerpoint/2010/main" val="235534046"/>
+      </p:ext>
+    </p:extLst>
+  </p:cSld>
+  <p:clrMapOvr>
+    <a:masterClrMapping/>
+  </p:clrMapOvr>
+</p:sld>
+</file>
+
+<file path=ppt/slides/slide10.xml><?xml version="1.0" encoding="utf-8"?>
 <p:sld xmlns:a="http://schemas.openxmlformats.org/drawingml/2006/main" xmlns:p="http://schemas.openxmlformats.org/presentationml/2006/main" xmlns:r="http://schemas.openxmlformats.org/officeDocument/2006/relationships">
   <p:cSld>
     <p:spTree>
@@ -7663,7 +7755,7 @@
             <a:spLocks noGrp="1"/>
           </p:cNvSpPr>
           <p:nvPr>
-            <p:ph type="ctrTitle"/>
+            <p:ph type="title"/>
           </p:nvPr>
         </p:nvSpPr>
         <p:spPr/>
@@ -7672,19 +7764,19 @@
           <a:lstStyle/>
           <a:p>
             <a:r>
-              <a:t>Phishing Angriff - Anwaltskanzlei Köln</a:t>
-            </a:r>
-          </a:p>
-        </p:txBody>
-      </p:sp>
-      <p:sp>
-        <p:nvSpPr>
-          <p:cNvPr id="3" name="Subtitle 2"/>
-          <p:cNvSpPr>
-            <a:spLocks noGrp="1"/>
-          </p:cNvSpPr>
-          <p:nvPr>
-            <p:ph type="subTitle" idx="1"/>
+              <a:t>Inject 29: The End</a:t>
+            </a:r>
+          </a:p>
+        </p:txBody>
+      </p:sp>
+      <p:sp>
+        <p:nvSpPr>
+          <p:cNvPr id="3" name="Content Placeholder 2"/>
+          <p:cNvSpPr>
+            <a:spLocks noGrp="1"/>
+          </p:cNvSpPr>
+          <p:nvPr>
+            <p:ph idx="1"/>
           </p:nvPr>
         </p:nvSpPr>
         <p:spPr/>
@@ -7693,7 +7785,19 @@
           <a:lstStyle/>
           <a:p>
             <a:r>
-              <a:t>Die Übung soll die Reaktionsfähigkeit der Anwaltskanzlei auf Phishing-Angriffe testen und verbessern. Es sollen Schwachstellen in den bestehenden Sicherheitsprotokollen identifiziert und behoben sowie die allgemeine Sicherheitsbewusstsein der Mitarbeiter gestärkt werden.</a:t>
+              <a:t>Duration: 10 seconds</a:t>
+            </a:r>
+          </a:p>
+          <a:p/>
+          <a:p>
+            <a:r>
+              <a:t>Description: Stop everything.</a:t>
+            </a:r>
+          </a:p>
+          <a:p/>
+          <a:p>
+            <a:r>
+              <a:t>Comment: No comment</a:t>
             </a:r>
           </a:p>
         </p:txBody>
@@ -7707,7 +7811,7 @@
 </file>
 
 <file path=ppt/slides/slide2.xml><?xml version="1.0" encoding="utf-8"?>
-<p:sld xmlns:a="http://schemas.openxmlformats.org/drawingml/2006/main" xmlns:p="http://schemas.openxmlformats.org/presentationml/2006/main" xmlns:r="http://schemas.openxmlformats.org/officeDocument/2006/relationships">
+<p:sld xmlns:a="http://schemas.openxmlformats.org/drawingml/2006/main" xmlns:r="http://schemas.openxmlformats.org/officeDocument/2006/relationships" xmlns:p="http://schemas.openxmlformats.org/presentationml/2006/main">
   <p:cSld>
     <p:spTree>
       <p:nvGrpSpPr>
@@ -7715,10 +7819,23 @@
         <p:cNvGrpSpPr/>
         <p:nvPr/>
       </p:nvGrpSpPr>
-      <p:grpSpPr/>
-      <p:sp>
-        <p:nvSpPr>
-          <p:cNvPr id="2" name="Title 1"/>
+      <p:grpSpPr>
+        <a:xfrm>
+          <a:off x="0" y="0"/>
+          <a:ext cx="0" cy="0"/>
+          <a:chOff x="0" y="0"/>
+          <a:chExt cx="0" cy="0"/>
+        </a:xfrm>
+      </p:grpSpPr>
+      <p:sp>
+        <p:nvSpPr>
+          <p:cNvPr id="2" name="Titel 1">
+            <a:extLst>
+              <a:ext uri="{FF2B5EF4-FFF2-40B4-BE49-F238E27FC236}">
+                <a16:creationId xmlns:a16="http://schemas.microsoft.com/office/drawing/2014/main" id="{8515B713-2FE8-9E3C-4996-BB78DE1387AC}"/>
+              </a:ext>
+            </a:extLst>
+          </p:cNvPr>
           <p:cNvSpPr>
             <a:spLocks noGrp="1"/>
           </p:cNvSpPr>
@@ -7731,15 +7848,19 @@
           <a:bodyPr/>
           <a:lstStyle/>
           <a:p>
-            <a:r>
-              <a:t>Inject 25: Fake Invoice</a:t>
-            </a:r>
-          </a:p>
-        </p:txBody>
-      </p:sp>
-      <p:sp>
-        <p:nvSpPr>
-          <p:cNvPr id="3" name="Content Placeholder 2"/>
+            <a:endParaRPr lang="de-DE"/>
+          </a:p>
+        </p:txBody>
+      </p:sp>
+      <p:sp>
+        <p:nvSpPr>
+          <p:cNvPr id="3" name="Inhaltsplatzhalter 2">
+            <a:extLst>
+              <a:ext uri="{FF2B5EF4-FFF2-40B4-BE49-F238E27FC236}">
+                <a16:creationId xmlns:a16="http://schemas.microsoft.com/office/drawing/2014/main" id="{E4452BC8-9371-01B9-C3C0-6C2369602FD1}"/>
+              </a:ext>
+            </a:extLst>
+          </p:cNvPr>
           <p:cNvSpPr>
             <a:spLocks noGrp="1"/>
           </p:cNvSpPr>
@@ -7752,25 +7873,16 @@
           <a:bodyPr/>
           <a:lstStyle/>
           <a:p>
-            <a:r>
-              <a:t>Duration: 10 seconds</a:t>
-            </a:r>
-          </a:p>
-          <a:p/>
-          <a:p>
-            <a:r>
-              <a:t>Description: na</a:t>
-            </a:r>
-          </a:p>
-          <a:p/>
-          <a:p>
-            <a:r>
-              <a:t>Comment: No comment</a:t>
-            </a:r>
+            <a:endParaRPr lang="de-DE"/>
           </a:p>
         </p:txBody>
       </p:sp>
     </p:spTree>
+    <p:extLst>
+      <p:ext uri="{BB962C8B-B14F-4D97-AF65-F5344CB8AC3E}">
+        <p14:creationId xmlns:p14="http://schemas.microsoft.com/office/powerpoint/2010/main" val="2860568476"/>
+      </p:ext>
+    </p:extLst>
   </p:cSld>
   <p:clrMapOvr>
     <a:masterClrMapping/>
@@ -7795,7 +7907,7 @@
             <a:spLocks noGrp="1"/>
           </p:cNvSpPr>
           <p:nvPr>
-            <p:ph type="title"/>
+            <p:ph type="ctrTitle"/>
           </p:nvPr>
         </p:nvSpPr>
         <p:spPr/>
@@ -7804,19 +7916,19 @@
           <a:lstStyle/>
           <a:p>
             <a:r>
-              <a:t>Inject 26: Contest Winner Notification</a:t>
-            </a:r>
-          </a:p>
-        </p:txBody>
-      </p:sp>
-      <p:sp>
-        <p:nvSpPr>
-          <p:cNvPr id="3" name="Content Placeholder 2"/>
-          <p:cNvSpPr>
-            <a:spLocks noGrp="1"/>
-          </p:cNvSpPr>
-          <p:nvPr>
-            <p:ph idx="1"/>
+              <a:t>Phishing Angriff - Anwaltskanzlei Köln</a:t>
+            </a:r>
+          </a:p>
+        </p:txBody>
+      </p:sp>
+      <p:sp>
+        <p:nvSpPr>
+          <p:cNvPr id="3" name="Subtitle 2"/>
+          <p:cNvSpPr>
+            <a:spLocks noGrp="1"/>
+          </p:cNvSpPr>
+          <p:nvPr>
+            <p:ph type="subTitle" idx="1"/>
           </p:nvPr>
         </p:nvSpPr>
         <p:spPr/>
@@ -7825,305 +7937,7 @@
           <a:lstStyle/>
           <a:p>
             <a:r>
-              <a:t>Duration: 10 seconds</a:t>
-            </a:r>
-          </a:p>
-          <a:p/>
-          <a:p>
-            <a:r>
-              <a:t>Description: &lt;!DOCTYPE html&gt;</a:t>
-            </a:r>
-          </a:p>
-          <a:p>
-            <a:r>
-              <a:t>&lt;html lang="de"&gt;</a:t>
-            </a:r>
-          </a:p>
-          <a:p>
-            <a:r>
-              <a:t>&lt;head&gt;</a:t>
-            </a:r>
-          </a:p>
-          <a:p>
-            <a:r>
-              <a:t>    &lt;meta charset="UTF-8"&gt;</a:t>
-            </a:r>
-          </a:p>
-          <a:p>
-            <a:r>
-              <a:t>    &lt;title&gt;Gefälschter Preisgewinn - Weiterleitung zur Prüfung&lt;/title&gt;</a:t>
-            </a:r>
-          </a:p>
-          <a:p>
-            <a:r>
-              <a:t>    &lt;style&gt;</a:t>
-            </a:r>
-          </a:p>
-          <a:p>
-            <a:r>
-              <a:t>        body {</a:t>
-            </a:r>
-          </a:p>
-          <a:p>
-            <a:r>
-              <a:t>            font-family: Arial, sans-serif;</a:t>
-            </a:r>
-          </a:p>
-          <a:p>
-            <a:r>
-              <a:t>            margin: 20px;</a:t>
-            </a:r>
-          </a:p>
-          <a:p>
-            <a:r>
-              <a:t>            line-height: 1.6;</a:t>
-            </a:r>
-          </a:p>
-          <a:p>
-            <a:r>
-              <a:t>        }</a:t>
-            </a:r>
-          </a:p>
-          <a:p>
-            <a:r>
-              <a:t>        .content {</a:t>
-            </a:r>
-          </a:p>
-          <a:p>
-            <a:r>
-              <a:t>            max-width: 600px;</a:t>
-            </a:r>
-          </a:p>
-          <a:p>
-            <a:r>
-              <a:t>            margin: auto;</a:t>
-            </a:r>
-          </a:p>
-          <a:p>
-            <a:r>
-              <a:t>            padding: 20px;</a:t>
-            </a:r>
-          </a:p>
-          <a:p>
-            <a:r>
-              <a:t>            border: 1px solid #ccc;</a:t>
-            </a:r>
-          </a:p>
-          <a:p>
-            <a:r>
-              <a:t>            border-radius: 10px;</a:t>
-            </a:r>
-          </a:p>
-          <a:p>
-            <a:r>
-              <a:t>            background-color: #f9f9f9;</a:t>
-            </a:r>
-          </a:p>
-          <a:p>
-            <a:r>
-              <a:t>        }</a:t>
-            </a:r>
-          </a:p>
-          <a:p>
-            <a:r>
-              <a:t>        h1 {</a:t>
-            </a:r>
-          </a:p>
-          <a:p>
-            <a:r>
-              <a:t>            text-align: center;</a:t>
-            </a:r>
-          </a:p>
-          <a:p>
-            <a:r>
-              <a:t>            color: #333;</a:t>
-            </a:r>
-          </a:p>
-          <a:p>
-            <a:r>
-              <a:t>        }</a:t>
-            </a:r>
-          </a:p>
-          <a:p>
-            <a:r>
-              <a:t>        .forwarded {</a:t>
-            </a:r>
-          </a:p>
-          <a:p>
-            <a:r>
-              <a:t>            background-color: #e1f5fe;</a:t>
-            </a:r>
-          </a:p>
-          <a:p>
-            <a:r>
-              <a:t>            padding: 10px;</a:t>
-            </a:r>
-          </a:p>
-          <a:p>
-            <a:r>
-              <a:t>            border-left: 5px solid #2196F3;</a:t>
-            </a:r>
-          </a:p>
-          <a:p>
-            <a:r>
-              <a:t>            margin-top: 20px;</a:t>
-            </a:r>
-          </a:p>
-          <a:p>
-            <a:r>
-              <a:t>        }</a:t>
-            </a:r>
-          </a:p>
-          <a:p>
-            <a:r>
-              <a:t>    &lt;/style&gt;</a:t>
-            </a:r>
-          </a:p>
-          <a:p>
-            <a:r>
-              <a:t>&lt;/head&gt;</a:t>
-            </a:r>
-          </a:p>
-          <a:p>
-            <a:r>
-              <a:t>&lt;body&gt;</a:t>
-            </a:r>
-          </a:p>
-          <a:p>
-            <a:r>
-              <a:t>    &lt;div class="content"&gt;</a:t>
-            </a:r>
-          </a:p>
-          <a:p>
-            <a:r>
-              <a:t>        &lt;h1&gt;Gefälschter Preisgewinn - Weiterleitung zur Prüfung&lt;/h1&gt;</a:t>
-            </a:r>
-          </a:p>
-          <a:p>
-            <a:r>
-              <a:t>        &lt;p&gt;Hallo IT-Support-Team,&lt;/p&gt;</a:t>
-            </a:r>
-          </a:p>
-          <a:p>
-            <a:r>
-              <a:t>        &lt;p&gt;ich habe eine verdächtige E-Mail erhalten, die ich zur Prüfung weiterleiten möchte. Sie behauptet, dass ich einen Preis gewonnen habe und persönliche Informationen zur Bestätigung benötige. Ich vermute jedoch, dass es sich um einen Phishing-Versuch handelt.&lt;/p&gt;</a:t>
-            </a:r>
-          </a:p>
-          <a:p>
-            <a:r>
-              <a:t>        &lt;div class="forwarded"&gt;</a:t>
-            </a:r>
-          </a:p>
-          <a:p>
-            <a:r>
-              <a:t>            &lt;p&gt;&lt;strong&gt;Weitergeleitete Nachricht:&lt;/strong&gt;&lt;/p&gt;</a:t>
-            </a:r>
-          </a:p>
-          <a:p>
-            <a:r>
-              <a:t>            &lt;p&gt;Von: "Gewinnspiel-Team" &amp;lt;fake@gewinnspiel.com&amp;gt;&lt;br&gt;</a:t>
-            </a:r>
-          </a:p>
-          <a:p>
-            <a:r>
-              <a:t>            Gesendet: Heute, 11:00 Uhr&lt;br&gt;</a:t>
-            </a:r>
-          </a:p>
-          <a:p>
-            <a:r>
-              <a:t>            Betreff: Herzlichen Glückwunsch! Sie haben gewonnen!&lt;/p&gt;</a:t>
-            </a:r>
-          </a:p>
-          <a:p>
-            <a:r>
-              <a:t>            &lt;p&gt;Sehr geehrte/r Gewinner/in,&lt;/p&gt;</a:t>
-            </a:r>
-          </a:p>
-          <a:p>
-            <a:r>
-              <a:t>            &lt;p&gt;Herzlichen Glückwunsch! Sie wurden als einer unserer glücklichen Gewinner ausgewählt. Um Ihren Preis zu bestätigen, benötigen wir einige persönliche Informationen.&lt;/p&gt;</a:t>
-            </a:r>
-          </a:p>
-          <a:p>
-            <a:r>
-              <a:t>            &lt;p&gt;Bitte klicken Sie auf den folgenden Link und füllen Sie das Formular aus:&lt;/p&gt;</a:t>
-            </a:r>
-          </a:p>
-          <a:p>
-            <a:r>
-              <a:t>            &lt;p&gt;&lt;a href="http://fake-prize-link.com"&gt;Hier bestätigen&lt;/a&gt;&lt;/p&gt;</a:t>
-            </a:r>
-          </a:p>
-          <a:p>
-            <a:r>
-              <a:t>            &lt;p&gt;Vielen Dank und herzlichen Glückwunsch!&lt;/p&gt;</a:t>
-            </a:r>
-          </a:p>
-          <a:p>
-            <a:r>
-              <a:t>            &lt;p&gt;Beste Grüße,&lt;br&gt;</a:t>
-            </a:r>
-          </a:p>
-          <a:p>
-            <a:r>
-              <a:t>            Ihr Gewinnspiel-Team&lt;/p&gt;</a:t>
-            </a:r>
-          </a:p>
-          <a:p>
-            <a:r>
-              <a:t>        &lt;/div&gt;</a:t>
-            </a:r>
-          </a:p>
-          <a:p>
-            <a:r>
-              <a:t>        &lt;p&gt;Ich bin mir nicht sicher, welche Maßnahmen ergriffen werden sollen. Könnt ihr diese E-Mail bitte umgehend prüfen und mir Anweisungen geben, wie weiter vorzugehen ist?&lt;/p&gt;</a:t>
-            </a:r>
-          </a:p>
-          <a:p>
-            <a:r>
-              <a:t>        &lt;p&gt;Vielen Dank für eure schnelle Unterstützung.&lt;/p&gt;</a:t>
-            </a:r>
-          </a:p>
-          <a:p>
-            <a:r>
-              <a:t>        &lt;p&gt;Viele Grüße,&lt;/p&gt;</a:t>
-            </a:r>
-          </a:p>
-          <a:p>
-            <a:r>
-              <a:t>        &lt;p&gt;[Ihr Name]&lt;/p&gt;</a:t>
-            </a:r>
-          </a:p>
-          <a:p>
-            <a:r>
-              <a:t>        &lt;p&gt;[Abteilung]&lt;/p&gt;</a:t>
-            </a:r>
-          </a:p>
-          <a:p>
-            <a:r>
-              <a:t>        &lt;p&gt;[Kontaktinformationen]&lt;/p&gt;</a:t>
-            </a:r>
-          </a:p>
-          <a:p>
-            <a:r>
-              <a:t>    &lt;/div&gt;</a:t>
-            </a:r>
-          </a:p>
-          <a:p>
-            <a:r>
-              <a:t>&lt;/body&gt;</a:t>
-            </a:r>
-          </a:p>
-          <a:p>
-            <a:r>
-              <a:t>&lt;/html&gt;</a:t>
-            </a:r>
-          </a:p>
-          <a:p/>
-          <a:p/>
-          <a:p>
-            <a:r>
-              <a:t>Comment: No comment</a:t>
+              <a:t>Die Übung soll die Reaktionsfähigkeit der Anwaltskanzlei auf Phishing-Angriffe testen und verbessern. Es sollen Schwachstellen in den bestehenden Sicherheitsprotokollen identifiziert und behoben sowie die allgemeine Sicherheitsbewusstsein der Mitarbeiter gestärkt werden.</a:t>
             </a:r>
           </a:p>
         </p:txBody>
@@ -8189,7 +8003,7 @@
           <a:p/>
           <a:p>
             <a:r>
-              <a:t>Description: na</a:t>
+              <a:t>Description: Versenden einer E-Mail mit einem Anhang, der vorgibt, eine Rechnung zu sein, die geöffnet werden muss.</a:t>
             </a:r>
           </a:p>
           <a:p/>
@@ -8234,7 +8048,7 @@
           <a:lstStyle/>
           <a:p>
             <a:r>
-              <a:t>Inject 27: Fake Survey</a:t>
+              <a:t>Inject 26: Contest Winner Notification</a:t>
             </a:r>
           </a:p>
         </p:txBody>
@@ -8261,330 +8075,9 @@
           <a:p/>
           <a:p>
             <a:r>
-              <a:t>Description: &lt;!DOCTYPE html&gt;</a:t>
-            </a:r>
-          </a:p>
-          <a:p>
-            <a:r>
-              <a:t>&lt;html lang="de"&gt;</a:t>
-            </a:r>
-          </a:p>
-          <a:p>
-            <a:r>
-              <a:t>&lt;head&gt;</a:t>
-            </a:r>
-          </a:p>
-          <a:p>
-            <a:r>
-              <a:t>    &lt;meta charset="UTF-8"&gt;</a:t>
-            </a:r>
-          </a:p>
-          <a:p>
-            <a:r>
-              <a:t>    &lt;title&gt;Gefälschte Umfrage - Weiterleitung zur Prüfung&lt;/title&gt;</a:t>
-            </a:r>
-          </a:p>
-          <a:p>
-            <a:r>
-              <a:t>    &lt;style&gt;</a:t>
-            </a:r>
-          </a:p>
-          <a:p>
-            <a:r>
-              <a:t>        body {</a:t>
-            </a:r>
-          </a:p>
-          <a:p>
-            <a:r>
-              <a:t>            font-family: Arial, sans-serif;</a:t>
-            </a:r>
-          </a:p>
-          <a:p>
-            <a:r>
-              <a:t>            margin: 20px;</a:t>
-            </a:r>
-          </a:p>
-          <a:p>
-            <a:r>
-              <a:t>            line-height: 1.6;</a:t>
-            </a:r>
-          </a:p>
-          <a:p>
-            <a:r>
-              <a:t>        }</a:t>
-            </a:r>
-          </a:p>
-          <a:p>
-            <a:r>
-              <a:t>        .content {</a:t>
-            </a:r>
-          </a:p>
-          <a:p>
-            <a:r>
-              <a:t>            max-width: 600px;</a:t>
-            </a:r>
-          </a:p>
-          <a:p>
-            <a:r>
-              <a:t>            margin: auto;</a:t>
-            </a:r>
-          </a:p>
-          <a:p>
-            <a:r>
-              <a:t>            padding: 20px;</a:t>
-            </a:r>
-          </a:p>
-          <a:p>
-            <a:r>
-              <a:t>            border: 1px solid #ccc;</a:t>
-            </a:r>
-          </a:p>
-          <a:p>
-            <a:r>
-              <a:t>            border-radius: 10px;</a:t>
-            </a:r>
-          </a:p>
-          <a:p>
-            <a:r>
-              <a:t>            background-color: #f9f9f9;</a:t>
-            </a:r>
-          </a:p>
-          <a:p>
-            <a:r>
-              <a:t>        }</a:t>
-            </a:r>
-          </a:p>
-          <a:p>
-            <a:r>
-              <a:t>        h1 {</a:t>
-            </a:r>
-          </a:p>
-          <a:p>
-            <a:r>
-              <a:t>            text-align: center;</a:t>
-            </a:r>
-          </a:p>
-          <a:p>
-            <a:r>
-              <a:t>            color: #333;</a:t>
-            </a:r>
-          </a:p>
-          <a:p>
-            <a:r>
-              <a:t>        }</a:t>
-            </a:r>
-          </a:p>
-          <a:p>
-            <a:r>
-              <a:t>        .alert {</a:t>
-            </a:r>
-          </a:p>
-          <a:p>
-            <a:r>
-              <a:t>            background-color: #ffcccc;</a:t>
-            </a:r>
-          </a:p>
-          <a:p>
-            <a:r>
-              <a:t>            color: #ff0000;</a:t>
-            </a:r>
-          </a:p>
-          <a:p>
-            <a:r>
-              <a:t>            padding: 10px;</a:t>
-            </a:r>
-          </a:p>
-          <a:p>
-            <a:r>
-              <a:t>            border-radius: 5px;</a:t>
-            </a:r>
-          </a:p>
-          <a:p>
-            <a:r>
-              <a:t>            font-family: monospace;</a:t>
-            </a:r>
-          </a:p>
-          <a:p>
-            <a:r>
-              <a:t>            white-space: pre-wrap;</a:t>
-            </a:r>
-          </a:p>
-          <a:p>
-            <a:r>
-              <a:t>        }</a:t>
-            </a:r>
-          </a:p>
-          <a:p>
-            <a:r>
-              <a:t>        .forwarded {</a:t>
-            </a:r>
-          </a:p>
-          <a:p>
-            <a:r>
-              <a:t>            background-color: #e1f5fe;</a:t>
-            </a:r>
-          </a:p>
-          <a:p>
-            <a:r>
-              <a:t>            padding: 10px;</a:t>
-            </a:r>
-          </a:p>
-          <a:p>
-            <a:r>
-              <a:t>            border-left: 5px solid #2196F3;</a:t>
-            </a:r>
-          </a:p>
-          <a:p>
-            <a:r>
-              <a:t>            margin-top: 20px;</a:t>
-            </a:r>
-          </a:p>
-          <a:p>
-            <a:r>
-              <a:t>        }</a:t>
-            </a:r>
-          </a:p>
-          <a:p>
-            <a:r>
-              <a:t>    &lt;/style&gt;</a:t>
-            </a:r>
-          </a:p>
-          <a:p>
-            <a:r>
-              <a:t>&lt;/head&gt;</a:t>
-            </a:r>
-          </a:p>
-          <a:p>
-            <a:r>
-              <a:t>&lt;body&gt;</a:t>
-            </a:r>
-          </a:p>
-          <a:p>
-            <a:r>
-              <a:t>    &lt;div class="content"&gt;</a:t>
-            </a:r>
-          </a:p>
-          <a:p>
-            <a:r>
-              <a:t>        &lt;h1&gt;Gefälschte Umfrage - Weiterleitung zur Prüfung&lt;/h1&gt;</a:t>
-            </a:r>
-          </a:p>
-          <a:p>
-            <a:r>
-              <a:t>        &lt;p&gt;Hallo IT-Support-Team,&lt;/p&gt;</a:t>
-            </a:r>
-          </a:p>
-          <a:p>
-            <a:r>
-              <a:t>        &lt;p&gt;ich habe eine verdächtige E-Mail erhalten, die ich zur Prüfung weiterleiten möchte. Sie enthält einen Link zu einer Umfrage, die angeblich von der Unternehmensleitung stammt. Ich vermute jedoch, dass es sich um einen Phishing-Versuch handelt.&lt;/p&gt;</a:t>
-            </a:r>
-          </a:p>
-          <a:p>
-            <a:r>
-              <a:t>        &lt;div class="forwarded"&gt;</a:t>
-            </a:r>
-          </a:p>
-          <a:p>
-            <a:r>
-              <a:t>            &lt;p&gt;&lt;strong&gt;Weitergeleitete Nachricht:&lt;/strong&gt;&lt;/p&gt;</a:t>
-            </a:r>
-          </a:p>
-          <a:p>
-            <a:r>
-              <a:t>            &lt;p&gt;Von: "Unternehmensleitung" &amp;lt;fake@company.com&amp;gt;&lt;br&gt;</a:t>
-            </a:r>
-          </a:p>
-          <a:p>
-            <a:r>
-              <a:t>            Gesendet: Heute, 10:00 Uhr&lt;br&gt;</a:t>
-            </a:r>
-          </a:p>
-          <a:p>
-            <a:r>
-              <a:t>            Betreff: Wichtige Umfrage für alle Mitarbeiter&lt;/p&gt;</a:t>
-            </a:r>
-          </a:p>
-          <a:p>
-            <a:r>
-              <a:t>            &lt;p&gt;Liebe Mitarbeiter,&lt;/p&gt;</a:t>
-            </a:r>
-          </a:p>
-          <a:p>
-            <a:r>
-              <a:t>            &lt;p&gt;bitte nehmen Sie sich einen Moment Zeit, um an unserer wichtigen Umfrage teilzunehmen. Ihre Meinung ist uns sehr wichtig.&lt;/p&gt;</a:t>
-            </a:r>
-          </a:p>
-          <a:p>
-            <a:r>
-              <a:t>            &lt;p&gt;&lt;a href="http://fake-survey-link.com"&gt;Hier zur Umfrage&lt;/a&gt;&lt;/p&gt;</a:t>
-            </a:r>
-          </a:p>
-          <a:p>
-            <a:r>
-              <a:t>            &lt;p&gt;Vielen Dank für Ihre Teilnahme.&lt;/p&gt;</a:t>
-            </a:r>
-          </a:p>
-          <a:p>
-            <a:r>
-              <a:t>            &lt;p&gt;Beste Grüße,&lt;br&gt;</a:t>
-            </a:r>
-          </a:p>
-          <a:p>
-            <a:r>
-              <a:t>            Unternehmensleitung&lt;/p&gt;</a:t>
-            </a:r>
-          </a:p>
-          <a:p>
-            <a:r>
-              <a:t>        &lt;/div&gt;</a:t>
-            </a:r>
-          </a:p>
-          <a:p>
-            <a:r>
-              <a:t>        &lt;p&gt;Ich bin mir nicht sicher, welche Maßnahmen ergriffen werden sollen. Könnt ihr diese E-Mail bitte umgehend prüfen und mir Anweisungen geben, wie weiter vorzugehen ist?&lt;/p&gt;</a:t>
-            </a:r>
-          </a:p>
-          <a:p>
-            <a:r>
-              <a:t>        &lt;p&gt;Vielen Dank für eure schnelle Unterstützung.&lt;/p&gt;</a:t>
-            </a:r>
-          </a:p>
-          <a:p>
-            <a:r>
-              <a:t>        &lt;p&gt;Viele Grüße,&lt;/p&gt;</a:t>
-            </a:r>
-          </a:p>
-          <a:p>
-            <a:r>
-              <a:t>        &lt;p&gt;[Ihr Name]&lt;/p&gt;</a:t>
-            </a:r>
-          </a:p>
-          <a:p>
-            <a:r>
-              <a:t>        &lt;p&gt;[Abteilung]&lt;/p&gt;</a:t>
-            </a:r>
-          </a:p>
-          <a:p>
-            <a:r>
-              <a:t>        &lt;p&gt;[Kontaktinformationen]&lt;/p&gt;</a:t>
-            </a:r>
-          </a:p>
-          <a:p>
-            <a:r>
-              <a:t>    &lt;/div&gt;</a:t>
-            </a:r>
-          </a:p>
-          <a:p>
-            <a:r>
-              <a:t>&lt;/body&gt;</a:t>
-            </a:r>
-          </a:p>
-          <a:p>
-            <a:r>
-              <a:t>&lt;/html&gt;</a:t>
-            </a:r>
-          </a:p>
-          <a:p/>
+              <a:t>Description: Versenden einer E-Mail, die vorgibt, dass der Empfänger einen Preis gewonnen hat und persönliche Informationen zur Bestätigung benötigt.</a:t>
+            </a:r>
+          </a:p>
           <a:p/>
           <a:p>
             <a:r>
@@ -8627,7 +8120,7 @@
           <a:lstStyle/>
           <a:p>
             <a:r>
-              <a:t>Inject 4: Datenbankfehler</a:t>
+              <a:t>Inject 25: Fake Invoice</a:t>
             </a:r>
           </a:p>
         </p:txBody>
@@ -8654,315 +8147,9 @@
           <a:p/>
           <a:p>
             <a:r>
-              <a:t>Description: &lt;!DOCTYPE html&gt;</a:t>
-            </a:r>
-          </a:p>
-          <a:p>
-            <a:r>
-              <a:t>&lt;html lang="de"&gt;</a:t>
-            </a:r>
-          </a:p>
-          <a:p>
-            <a:r>
-              <a:t>&lt;head&gt;</a:t>
-            </a:r>
-          </a:p>
-          <a:p>
-            <a:r>
-              <a:t>    &lt;meta charset="UTF-8"&gt;</a:t>
-            </a:r>
-          </a:p>
-          <a:p>
-            <a:r>
-              <a:t>    &lt;title&gt;Erhöhte Belastung der Datenbank&lt;/title&gt;</a:t>
-            </a:r>
-          </a:p>
-          <a:p>
-            <a:r>
-              <a:t>    &lt;style&gt;</a:t>
-            </a:r>
-          </a:p>
-          <a:p>
-            <a:r>
-              <a:t>        body {</a:t>
-            </a:r>
-          </a:p>
-          <a:p>
-            <a:r>
-              <a:t>            font-family: Arial, sans-serif;</a:t>
-            </a:r>
-          </a:p>
-          <a:p>
-            <a:r>
-              <a:t>            margin: 20px;</a:t>
-            </a:r>
-          </a:p>
-          <a:p>
-            <a:r>
-              <a:t>            line-height: 1.6;</a:t>
-            </a:r>
-          </a:p>
-          <a:p>
-            <a:r>
-              <a:t>        }</a:t>
-            </a:r>
-          </a:p>
-          <a:p>
-            <a:r>
-              <a:t>        .content {</a:t>
-            </a:r>
-          </a:p>
-          <a:p>
-            <a:r>
-              <a:t>            max-width: 600px;</a:t>
-            </a:r>
-          </a:p>
-          <a:p>
-            <a:r>
-              <a:t>            margin: auto;</a:t>
-            </a:r>
-          </a:p>
-          <a:p>
-            <a:r>
-              <a:t>            padding: 20px;</a:t>
-            </a:r>
-          </a:p>
-          <a:p>
-            <a:r>
-              <a:t>            border: 1px solid #ccc;</a:t>
-            </a:r>
-          </a:p>
-          <a:p>
-            <a:r>
-              <a:t>            border-radius: 10px;</a:t>
-            </a:r>
-          </a:p>
-          <a:p>
-            <a:r>
-              <a:t>            background-color: #f9f9f9;</a:t>
-            </a:r>
-          </a:p>
-          <a:p>
-            <a:r>
-              <a:t>        }</a:t>
-            </a:r>
-          </a:p>
-          <a:p>
-            <a:r>
-              <a:t>        h1 {</a:t>
-            </a:r>
-          </a:p>
-          <a:p>
-            <a:r>
-              <a:t>            text-align: center;</a:t>
-            </a:r>
-          </a:p>
-          <a:p>
-            <a:r>
-              <a:t>            color: #333;</a:t>
-            </a:r>
-          </a:p>
-          <a:p>
-            <a:r>
-              <a:t>        }</a:t>
-            </a:r>
-          </a:p>
-          <a:p>
-            <a:r>
-              <a:t>        .log {</a:t>
-            </a:r>
-          </a:p>
-          <a:p>
-            <a:r>
-              <a:t>            background-color: #333;</a:t>
-            </a:r>
-          </a:p>
-          <a:p>
-            <a:r>
-              <a:t>            color: #fff;</a:t>
-            </a:r>
-          </a:p>
-          <a:p>
-            <a:r>
-              <a:t>            padding: 10px;</a:t>
-            </a:r>
-          </a:p>
-          <a:p>
-            <a:r>
-              <a:t>            border-radius: 5px;</a:t>
-            </a:r>
-          </a:p>
-          <a:p>
-            <a:r>
-              <a:t>            font-family: monospace;</a:t>
-            </a:r>
-          </a:p>
-          <a:p>
-            <a:r>
-              <a:t>        }</a:t>
-            </a:r>
-          </a:p>
-          <a:p>
-            <a:r>
-              <a:t>    &lt;/style&gt;</a:t>
-            </a:r>
-          </a:p>
-          <a:p>
-            <a:r>
-              <a:t>&lt;/head&gt;</a:t>
-            </a:r>
-          </a:p>
-          <a:p>
-            <a:r>
-              <a:t>&lt;body&gt;</a:t>
-            </a:r>
-          </a:p>
-          <a:p>
-            <a:r>
-              <a:t>    &lt;div class="content"&gt;</a:t>
-            </a:r>
-          </a:p>
-          <a:p>
-            <a:r>
-              <a:t>        &lt;h1&gt;Erhöhte Belastung der Datenbank&lt;/h1&gt;</a:t>
-            </a:r>
-          </a:p>
-          <a:p>
-            <a:r>
-              <a:t>        &lt;p&gt;Hallo IT-Team,&lt;/p&gt;</a:t>
-            </a:r>
-          </a:p>
-          <a:p>
-            <a:r>
-              <a:t>        &lt;p&gt;ich möchte euch darauf aufmerksam machen, dass ich in den letzten Stunden eine erhöhte Belastung unserer Datenbank durch ungewöhnliche SQL-Abfragen beobachtet habe. Diese Abfragen führen zu erheblichen Performance-Einbußen und beeinträchtigen die normale Funktionalität unserer Anwendungen.&lt;/p&gt;</a:t>
-            </a:r>
-          </a:p>
-          <a:p>
-            <a:r>
-              <a:t>        &lt;p&gt;Hier einige Details:&lt;/p&gt;</a:t>
-            </a:r>
-          </a:p>
-          <a:p>
-            <a:r>
-              <a:t>        &lt;ul&gt;</a:t>
-            </a:r>
-          </a:p>
-          <a:p>
-            <a:r>
-              <a:t>            &lt;li&gt;&lt;strong&gt;Zeitpunkt des Auftretens:&lt;/strong&gt; Heute, ab ca. 10:30 Uhr&lt;/li&gt;</a:t>
-            </a:r>
-          </a:p>
-          <a:p>
-            <a:r>
-              <a:t>            &lt;li&gt;&lt;strong&gt;Art der Abfragen:&lt;/strong&gt; Komplexe JOINs und Sub-Queries, die ungewöhnlich viel Zeit und Ressourcen beanspruchen&lt;/li&gt;</a:t>
-            </a:r>
-          </a:p>
-          <a:p>
-            <a:r>
-              <a:t>            &lt;li&gt;&lt;strong&gt;Betroffene Datenbank:&lt;/strong&gt; [Name der Datenbank]&lt;/li&gt;</a:t>
-            </a:r>
-          </a:p>
-          <a:p>
-            <a:r>
-              <a:t>            &lt;li&gt;&lt;strong&gt;Auswirkungen:&lt;/strong&gt; Verlangsamung der Anwendungsleistung, gelegentliche Timeouts&lt;/li&gt;</a:t>
-            </a:r>
-          </a:p>
-          <a:p>
-            <a:r>
-              <a:t>        &lt;/ul&gt;</a:t>
-            </a:r>
-          </a:p>
-          <a:p>
-            <a:r>
-              <a:t>        &lt;p&gt;Ich habe bereits einige der auffälligen Abfragen identifiziert und protokolliert. Es wäre hilfreich, wenn wir diese zeitnah analysieren und entsprechende Maßnahmen ergreifen könnten, um die Performance wiederherzustellen.&lt;/p&gt;</a:t>
-            </a:r>
-          </a:p>
-          <a:p>
-            <a:r>
-              <a:t>        &lt;p&gt;Hier ist ein Auszug aus dem Performance-Log:&lt;/p&gt;</a:t>
-            </a:r>
-          </a:p>
-          <a:p>
-            <a:r>
-              <a:t>        &lt;div class="log"&gt;</a:t>
-            </a:r>
-          </a:p>
-          <a:p>
-            <a:r>
-              <a:t>            2024-06-04 10:31:12 - Query Time: 45s - SELECT * FROM orders JOIN customers ON orders.customer_id = customers.id WHERE orders.date &gt; '2024-01-01';&lt;br&gt;</a:t>
-            </a:r>
-          </a:p>
-          <a:p>
-            <a:r>
-              <a:t>            2024-06-04 10:32:05 - Query Time: 50s - SELECT * FROM sales JOIN products ON sales.product_id = products.id WHERE sales.amount &gt; 1000;&lt;br&gt;</a:t>
-            </a:r>
-          </a:p>
-          <a:p>
-            <a:r>
-              <a:t>            2024-06-04 10:33:14 - Query Time: 40s - SELECT * FROM transactions WHERE EXISTS (SELECT 1 FROM accounts WHERE transactions.account_id = accounts.id AND accounts.balance &gt; 5000);&lt;br&gt;</a:t>
-            </a:r>
-          </a:p>
-          <a:p>
-            <a:r>
-              <a:t>            2024-06-04 10:34:45 - Query Time: 55s - SELECT * FROM users JOIN roles ON users.role_id = roles.id WHERE roles.name = 'admin';&lt;br&gt;</a:t>
-            </a:r>
-          </a:p>
-          <a:p>
-            <a:r>
-              <a:t>            2024-06-04 10:35:30 - Query Time: 48s - SELECT * FROM logs WHERE event = 'login' AND timestamp &gt; '2024-06-04 09:00:00';&lt;br&gt;</a:t>
-            </a:r>
-          </a:p>
-          <a:p>
-            <a:r>
-              <a:t>        &lt;/div&gt;</a:t>
-            </a:r>
-          </a:p>
-          <a:p>
-            <a:r>
-              <a:t>        &lt;p&gt;Bitte lasst mich wissen, wie wir am besten vorgehen sollen.&lt;/p&gt;</a:t>
-            </a:r>
-          </a:p>
-          <a:p>
-            <a:r>
-              <a:t>        &lt;p&gt;Vielen Dank für eure Unterstützung.&lt;/p&gt;</a:t>
-            </a:r>
-          </a:p>
-          <a:p>
-            <a:r>
-              <a:t>        &lt;p&gt;Beste Grüße,&lt;/p&gt;</a:t>
-            </a:r>
-          </a:p>
-          <a:p>
-            <a:r>
-              <a:t>        &lt;p&gt;[Ihr Name]&lt;/p&gt;</a:t>
-            </a:r>
-          </a:p>
-          <a:p>
-            <a:r>
-              <a:t>        &lt;p&gt;Datenbankadministrator&lt;/p&gt;</a:t>
-            </a:r>
-          </a:p>
-          <a:p>
-            <a:r>
-              <a:t>        &lt;p&gt;[Kontaktinformationen]&lt;/p&gt;</a:t>
-            </a:r>
-          </a:p>
-          <a:p>
-            <a:r>
-              <a:t>    &lt;/div&gt;</a:t>
-            </a:r>
-          </a:p>
-          <a:p>
-            <a:r>
-              <a:t>&lt;/body&gt;</a:t>
-            </a:r>
-          </a:p>
-          <a:p>
-            <a:r>
-              <a:t>&lt;/html&gt;</a:t>
-            </a:r>
-          </a:p>
-          <a:p/>
+              <a:t>Description: Versenden einer E-Mail mit einem Anhang, der vorgibt, eine Rechnung zu sein, die geöffnet werden muss.</a:t>
+            </a:r>
+          </a:p>
           <a:p/>
           <a:p>
             <a:r>
@@ -9005,7 +8192,7 @@
           <a:lstStyle/>
           <a:p>
             <a:r>
-              <a:t>Inject 28: Break</a:t>
+              <a:t>Inject 27: Fake Survey</a:t>
             </a:r>
           </a:p>
         </p:txBody>
@@ -9026,13 +8213,13 @@
           <a:lstStyle/>
           <a:p>
             <a:r>
-              <a:t>Duration: 120 seconds</a:t>
+              <a:t>Duration: 10 seconds</a:t>
             </a:r>
           </a:p>
           <a:p/>
           <a:p>
             <a:r>
-              <a:t>Description: Übungspause</a:t>
+              <a:t>Description: Versenden einer E-Mail mit einem Link zu einer gefälschten Umfrage, die angeblich von der Unternehmensleitung stammt, um Mitarbeiter zur Teilnahme zu bewegen.</a:t>
             </a:r>
           </a:p>
           <a:p/>
@@ -9077,7 +8264,7 @@
           <a:lstStyle/>
           <a:p>
             <a:r>
-              <a:t>Inject 29: The End</a:t>
+              <a:t>Inject 4: Datenbankfehler</a:t>
             </a:r>
           </a:p>
         </p:txBody>
@@ -9104,7 +8291,79 @@
           <a:p/>
           <a:p>
             <a:r>
-              <a:t>Description: Übungsende</a:t>
+              <a:t>Description: Ein Datenbankadministrator meldet persönlich, dass ungewöhnliche SQL-Abfragen die Datenbank belasten.</a:t>
+            </a:r>
+          </a:p>
+          <a:p/>
+          <a:p>
+            <a:r>
+              <a:t>Comment: No comment</a:t>
+            </a:r>
+          </a:p>
+        </p:txBody>
+      </p:sp>
+    </p:spTree>
+  </p:cSld>
+  <p:clrMapOvr>
+    <a:masterClrMapping/>
+  </p:clrMapOvr>
+</p:sld>
+</file>
+
+<file path=ppt/slides/slide9.xml><?xml version="1.0" encoding="utf-8"?>
+<p:sld xmlns:a="http://schemas.openxmlformats.org/drawingml/2006/main" xmlns:p="http://schemas.openxmlformats.org/presentationml/2006/main" xmlns:r="http://schemas.openxmlformats.org/officeDocument/2006/relationships">
+  <p:cSld>
+    <p:spTree>
+      <p:nvGrpSpPr>
+        <p:cNvPr id="1" name=""/>
+        <p:cNvGrpSpPr/>
+        <p:nvPr/>
+      </p:nvGrpSpPr>
+      <p:grpSpPr/>
+      <p:sp>
+        <p:nvSpPr>
+          <p:cNvPr id="2" name="Title 1"/>
+          <p:cNvSpPr>
+            <a:spLocks noGrp="1"/>
+          </p:cNvSpPr>
+          <p:nvPr>
+            <p:ph type="title"/>
+          </p:nvPr>
+        </p:nvSpPr>
+        <p:spPr/>
+        <p:txBody>
+          <a:bodyPr/>
+          <a:lstStyle/>
+          <a:p>
+            <a:r>
+              <a:t>Inject 28: Break</a:t>
+            </a:r>
+          </a:p>
+        </p:txBody>
+      </p:sp>
+      <p:sp>
+        <p:nvSpPr>
+          <p:cNvPr id="3" name="Content Placeholder 2"/>
+          <p:cNvSpPr>
+            <a:spLocks noGrp="1"/>
+          </p:cNvSpPr>
+          <p:nvPr>
+            <p:ph idx="1"/>
+          </p:nvPr>
+        </p:nvSpPr>
+        <p:spPr/>
+        <p:txBody>
+          <a:bodyPr/>
+          <a:lstStyle/>
+          <a:p>
+            <a:r>
+              <a:t>Duration: 120 seconds</a:t>
+            </a:r>
+          </a:p>
+          <a:p/>
+          <a:p>
+            <a:r>
+              <a:t>Description: Break.</a:t>
             </a:r>
           </a:p>
           <a:p/>
